--- a/Chapter6/Figures/Fig4.pptx
+++ b/Chapter6/Figures/Fig4.pptx
@@ -288,7 +288,7 @@
           <a:p>
             <a:fld id="{629CE928-AF54-4AF7-BE8F-2AFA07936728}" type="datetimeFigureOut">
               <a:rPr lang="en-GB" smtClean="0"/>
-              <a:t>16/05/2014</a:t>
+              <a:t>04/07/2014</a:t>
             </a:fld>
             <a:endParaRPr lang="en-GB"/>
           </a:p>
@@ -458,7 +458,7 @@
           <a:p>
             <a:fld id="{629CE928-AF54-4AF7-BE8F-2AFA07936728}" type="datetimeFigureOut">
               <a:rPr lang="en-GB" smtClean="0"/>
-              <a:t>16/05/2014</a:t>
+              <a:t>04/07/2014</a:t>
             </a:fld>
             <a:endParaRPr lang="en-GB"/>
           </a:p>
@@ -638,7 +638,7 @@
           <a:p>
             <a:fld id="{629CE928-AF54-4AF7-BE8F-2AFA07936728}" type="datetimeFigureOut">
               <a:rPr lang="en-GB" smtClean="0"/>
-              <a:t>16/05/2014</a:t>
+              <a:t>04/07/2014</a:t>
             </a:fld>
             <a:endParaRPr lang="en-GB"/>
           </a:p>
@@ -808,7 +808,7 @@
           <a:p>
             <a:fld id="{629CE928-AF54-4AF7-BE8F-2AFA07936728}" type="datetimeFigureOut">
               <a:rPr lang="en-GB" smtClean="0"/>
-              <a:t>16/05/2014</a:t>
+              <a:t>04/07/2014</a:t>
             </a:fld>
             <a:endParaRPr lang="en-GB"/>
           </a:p>
@@ -1054,7 +1054,7 @@
           <a:p>
             <a:fld id="{629CE928-AF54-4AF7-BE8F-2AFA07936728}" type="datetimeFigureOut">
               <a:rPr lang="en-GB" smtClean="0"/>
-              <a:t>16/05/2014</a:t>
+              <a:t>04/07/2014</a:t>
             </a:fld>
             <a:endParaRPr lang="en-GB"/>
           </a:p>
@@ -1342,7 +1342,7 @@
           <a:p>
             <a:fld id="{629CE928-AF54-4AF7-BE8F-2AFA07936728}" type="datetimeFigureOut">
               <a:rPr lang="en-GB" smtClean="0"/>
-              <a:t>16/05/2014</a:t>
+              <a:t>04/07/2014</a:t>
             </a:fld>
             <a:endParaRPr lang="en-GB"/>
           </a:p>
@@ -1764,7 +1764,7 @@
           <a:p>
             <a:fld id="{629CE928-AF54-4AF7-BE8F-2AFA07936728}" type="datetimeFigureOut">
               <a:rPr lang="en-GB" smtClean="0"/>
-              <a:t>16/05/2014</a:t>
+              <a:t>04/07/2014</a:t>
             </a:fld>
             <a:endParaRPr lang="en-GB"/>
           </a:p>
@@ -1882,7 +1882,7 @@
           <a:p>
             <a:fld id="{629CE928-AF54-4AF7-BE8F-2AFA07936728}" type="datetimeFigureOut">
               <a:rPr lang="en-GB" smtClean="0"/>
-              <a:t>16/05/2014</a:t>
+              <a:t>04/07/2014</a:t>
             </a:fld>
             <a:endParaRPr lang="en-GB"/>
           </a:p>
@@ -1977,7 +1977,7 @@
           <a:p>
             <a:fld id="{629CE928-AF54-4AF7-BE8F-2AFA07936728}" type="datetimeFigureOut">
               <a:rPr lang="en-GB" smtClean="0"/>
-              <a:t>16/05/2014</a:t>
+              <a:t>04/07/2014</a:t>
             </a:fld>
             <a:endParaRPr lang="en-GB"/>
           </a:p>
@@ -2254,7 +2254,7 @@
           <a:p>
             <a:fld id="{629CE928-AF54-4AF7-BE8F-2AFA07936728}" type="datetimeFigureOut">
               <a:rPr lang="en-GB" smtClean="0"/>
-              <a:t>16/05/2014</a:t>
+              <a:t>04/07/2014</a:t>
             </a:fld>
             <a:endParaRPr lang="en-GB"/>
           </a:p>
@@ -2507,7 +2507,7 @@
           <a:p>
             <a:fld id="{629CE928-AF54-4AF7-BE8F-2AFA07936728}" type="datetimeFigureOut">
               <a:rPr lang="en-GB" smtClean="0"/>
-              <a:t>16/05/2014</a:t>
+              <a:t>04/07/2014</a:t>
             </a:fld>
             <a:endParaRPr lang="en-GB"/>
           </a:p>
@@ -2720,7 +2720,7 @@
           <a:p>
             <a:fld id="{629CE928-AF54-4AF7-BE8F-2AFA07936728}" type="datetimeFigureOut">
               <a:rPr lang="en-GB" smtClean="0"/>
-              <a:t>16/05/2014</a:t>
+              <a:t>04/07/2014</a:t>
             </a:fld>
             <a:endParaRPr lang="en-GB"/>
           </a:p>
@@ -3104,7 +3104,7 @@
           <p:nvPr>
             <p:extLst>
               <p:ext uri="{D42A27DB-BD31-4B8C-83A1-F6EECF244321}">
-                <p14:modId xmlns:p14="http://schemas.microsoft.com/office/powerpoint/2010/main" val="903071628"/>
+                <p14:modId xmlns:p14="http://schemas.microsoft.com/office/powerpoint/2010/main" val="3401389913"/>
               </p:ext>
             </p:extLst>
           </p:nvPr>
@@ -3143,8 +3143,12 @@
                     <a:p>
                       <a:pPr algn="ctr"/>
                       <a:r>
+                        <a:rPr lang="en-GB" sz="4000" b="1" i="1" dirty="0" smtClean="0"/>
+                        <a:t>t</a:t>
+                      </a:r>
+                      <a:r>
                         <a:rPr lang="en-GB" sz="4000" b="1" dirty="0" smtClean="0"/>
-                        <a:t>8nm</a:t>
+                        <a:t> = 8nm</a:t>
                       </a:r>
                       <a:endParaRPr lang="en-GB" sz="4000" b="1" dirty="0"/>
                     </a:p>

--- a/Chapter6/Figures/Fig4.pptx
+++ b/Chapter6/Figures/Fig4.pptx
@@ -7,7 +7,7 @@
   <p:sldIdLst>
     <p:sldId id="257" r:id="rId2"/>
   </p:sldIdLst>
-  <p:sldSz cx="16202025" cy="7561263"/>
+  <p:sldSz cx="16202025" cy="7740650"/>
   <p:notesSz cx="6858000" cy="9144000"/>
   <p:defaultTextStyle>
     <a:defPPr>
@@ -136,8 +136,8 @@
         </p:nvSpPr>
         <p:spPr>
           <a:xfrm>
-            <a:off x="1215152" y="2348893"/>
-            <a:ext cx="13771721" cy="1620771"/>
+            <a:off x="1215152" y="2404620"/>
+            <a:ext cx="13771721" cy="1659223"/>
           </a:xfrm>
         </p:spPr>
         <p:txBody>
@@ -164,8 +164,8 @@
         </p:nvSpPr>
         <p:spPr>
           <a:xfrm>
-            <a:off x="2430304" y="4284716"/>
-            <a:ext cx="11341418" cy="1932323"/>
+            <a:off x="2430304" y="4386369"/>
+            <a:ext cx="11341418" cy="1978166"/>
           </a:xfrm>
         </p:spPr>
         <p:txBody>
@@ -288,7 +288,7 @@
           <a:p>
             <a:fld id="{629CE928-AF54-4AF7-BE8F-2AFA07936728}" type="datetimeFigureOut">
               <a:rPr lang="en-GB" smtClean="0"/>
-              <a:t>04/07/2014</a:t>
+              <a:t>01/11/2014</a:t>
             </a:fld>
             <a:endParaRPr lang="en-GB"/>
           </a:p>
@@ -458,7 +458,7 @@
           <a:p>
             <a:fld id="{629CE928-AF54-4AF7-BE8F-2AFA07936728}" type="datetimeFigureOut">
               <a:rPr lang="en-GB" smtClean="0"/>
-              <a:t>04/07/2014</a:t>
+              <a:t>01/11/2014</a:t>
             </a:fld>
             <a:endParaRPr lang="en-GB"/>
           </a:p>
@@ -548,8 +548,8 @@
         </p:nvSpPr>
         <p:spPr>
           <a:xfrm>
-            <a:off x="11746468" y="302802"/>
-            <a:ext cx="3645456" cy="6451578"/>
+            <a:off x="11746468" y="309986"/>
+            <a:ext cx="3645456" cy="6604638"/>
           </a:xfrm>
         </p:spPr>
         <p:txBody>
@@ -576,8 +576,8 @@
         </p:nvSpPr>
         <p:spPr>
           <a:xfrm>
-            <a:off x="810101" y="302802"/>
-            <a:ext cx="10666333" cy="6451578"/>
+            <a:off x="810102" y="309986"/>
+            <a:ext cx="10666333" cy="6604638"/>
           </a:xfrm>
         </p:spPr>
         <p:txBody>
@@ -638,7 +638,7 @@
           <a:p>
             <a:fld id="{629CE928-AF54-4AF7-BE8F-2AFA07936728}" type="datetimeFigureOut">
               <a:rPr lang="en-GB" smtClean="0"/>
-              <a:t>04/07/2014</a:t>
+              <a:t>01/11/2014</a:t>
             </a:fld>
             <a:endParaRPr lang="en-GB"/>
           </a:p>
@@ -808,7 +808,7 @@
           <a:p>
             <a:fld id="{629CE928-AF54-4AF7-BE8F-2AFA07936728}" type="datetimeFigureOut">
               <a:rPr lang="en-GB" smtClean="0"/>
-              <a:t>04/07/2014</a:t>
+              <a:t>01/11/2014</a:t>
             </a:fld>
             <a:endParaRPr lang="en-GB"/>
           </a:p>
@@ -898,8 +898,8 @@
         </p:nvSpPr>
         <p:spPr>
           <a:xfrm>
-            <a:off x="1279848" y="4858812"/>
-            <a:ext cx="13771721" cy="1501751"/>
+            <a:off x="1279849" y="4974085"/>
+            <a:ext cx="13771721" cy="1537379"/>
           </a:xfrm>
         </p:spPr>
         <p:txBody>
@@ -930,8 +930,8 @@
         </p:nvSpPr>
         <p:spPr>
           <a:xfrm>
-            <a:off x="1279848" y="3204786"/>
-            <a:ext cx="13771721" cy="1654026"/>
+            <a:off x="1279849" y="3280818"/>
+            <a:ext cx="13771721" cy="1693267"/>
           </a:xfrm>
         </p:spPr>
         <p:txBody>
@@ -1054,7 +1054,7 @@
           <a:p>
             <a:fld id="{629CE928-AF54-4AF7-BE8F-2AFA07936728}" type="datetimeFigureOut">
               <a:rPr lang="en-GB" smtClean="0"/>
-              <a:t>04/07/2014</a:t>
+              <a:t>01/11/2014</a:t>
             </a:fld>
             <a:endParaRPr lang="en-GB"/>
           </a:p>
@@ -1167,8 +1167,8 @@
         </p:nvSpPr>
         <p:spPr>
           <a:xfrm>
-            <a:off x="810101" y="1764295"/>
-            <a:ext cx="7155894" cy="4990084"/>
+            <a:off x="810101" y="1806152"/>
+            <a:ext cx="7155894" cy="5108471"/>
           </a:xfrm>
         </p:spPr>
         <p:txBody>
@@ -1252,8 +1252,8 @@
         </p:nvSpPr>
         <p:spPr>
           <a:xfrm>
-            <a:off x="8236030" y="1764295"/>
-            <a:ext cx="7155894" cy="4990084"/>
+            <a:off x="8236030" y="1806152"/>
+            <a:ext cx="7155894" cy="5108471"/>
           </a:xfrm>
         </p:spPr>
         <p:txBody>
@@ -1342,7 +1342,7 @@
           <a:p>
             <a:fld id="{629CE928-AF54-4AF7-BE8F-2AFA07936728}" type="datetimeFigureOut">
               <a:rPr lang="en-GB" smtClean="0"/>
-              <a:t>04/07/2014</a:t>
+              <a:t>01/11/2014</a:t>
             </a:fld>
             <a:endParaRPr lang="en-GB"/>
           </a:p>
@@ -1459,8 +1459,8 @@
         </p:nvSpPr>
         <p:spPr>
           <a:xfrm>
-            <a:off x="810101" y="1692533"/>
-            <a:ext cx="7158708" cy="705367"/>
+            <a:off x="810101" y="1732688"/>
+            <a:ext cx="7158708" cy="722101"/>
           </a:xfrm>
         </p:spPr>
         <p:txBody>
@@ -1524,8 +1524,8 @@
         </p:nvSpPr>
         <p:spPr>
           <a:xfrm>
-            <a:off x="810101" y="2397901"/>
-            <a:ext cx="7158708" cy="4356478"/>
+            <a:off x="810101" y="2454790"/>
+            <a:ext cx="7158708" cy="4459833"/>
           </a:xfrm>
         </p:spPr>
         <p:txBody>
@@ -1609,8 +1609,8 @@
         </p:nvSpPr>
         <p:spPr>
           <a:xfrm>
-            <a:off x="8230405" y="1692533"/>
-            <a:ext cx="7161520" cy="705367"/>
+            <a:off x="8230405" y="1732688"/>
+            <a:ext cx="7161520" cy="722101"/>
           </a:xfrm>
         </p:spPr>
         <p:txBody>
@@ -1674,8 +1674,8 @@
         </p:nvSpPr>
         <p:spPr>
           <a:xfrm>
-            <a:off x="8230405" y="2397901"/>
-            <a:ext cx="7161520" cy="4356478"/>
+            <a:off x="8230405" y="2454790"/>
+            <a:ext cx="7161520" cy="4459833"/>
           </a:xfrm>
         </p:spPr>
         <p:txBody>
@@ -1764,7 +1764,7 @@
           <a:p>
             <a:fld id="{629CE928-AF54-4AF7-BE8F-2AFA07936728}" type="datetimeFigureOut">
               <a:rPr lang="en-GB" smtClean="0"/>
-              <a:t>04/07/2014</a:t>
+              <a:t>01/11/2014</a:t>
             </a:fld>
             <a:endParaRPr lang="en-GB"/>
           </a:p>
@@ -1882,7 +1882,7 @@
           <a:p>
             <a:fld id="{629CE928-AF54-4AF7-BE8F-2AFA07936728}" type="datetimeFigureOut">
               <a:rPr lang="en-GB" smtClean="0"/>
-              <a:t>04/07/2014</a:t>
+              <a:t>01/11/2014</a:t>
             </a:fld>
             <a:endParaRPr lang="en-GB"/>
           </a:p>
@@ -1977,7 +1977,7 @@
           <a:p>
             <a:fld id="{629CE928-AF54-4AF7-BE8F-2AFA07936728}" type="datetimeFigureOut">
               <a:rPr lang="en-GB" smtClean="0"/>
-              <a:t>04/07/2014</a:t>
+              <a:t>01/11/2014</a:t>
             </a:fld>
             <a:endParaRPr lang="en-GB"/>
           </a:p>
@@ -2067,8 +2067,8 @@
         </p:nvSpPr>
         <p:spPr>
           <a:xfrm>
-            <a:off x="810102" y="301050"/>
-            <a:ext cx="5330355" cy="1281214"/>
+            <a:off x="810103" y="308192"/>
+            <a:ext cx="5330355" cy="1311610"/>
           </a:xfrm>
         </p:spPr>
         <p:txBody>
@@ -2099,8 +2099,8 @@
         </p:nvSpPr>
         <p:spPr>
           <a:xfrm>
-            <a:off x="6334542" y="301051"/>
-            <a:ext cx="9057382" cy="6453328"/>
+            <a:off x="6334542" y="308193"/>
+            <a:ext cx="9057382" cy="6606430"/>
           </a:xfrm>
         </p:spPr>
         <p:txBody>
@@ -2184,8 +2184,8 @@
         </p:nvSpPr>
         <p:spPr>
           <a:xfrm>
-            <a:off x="810102" y="1582265"/>
-            <a:ext cx="5330355" cy="5172114"/>
+            <a:off x="810103" y="1619803"/>
+            <a:ext cx="5330355" cy="5294820"/>
           </a:xfrm>
         </p:spPr>
         <p:txBody>
@@ -2254,7 +2254,7 @@
           <a:p>
             <a:fld id="{629CE928-AF54-4AF7-BE8F-2AFA07936728}" type="datetimeFigureOut">
               <a:rPr lang="en-GB" smtClean="0"/>
-              <a:t>04/07/2014</a:t>
+              <a:t>01/11/2014</a:t>
             </a:fld>
             <a:endParaRPr lang="en-GB"/>
           </a:p>
@@ -2344,8 +2344,8 @@
         </p:nvSpPr>
         <p:spPr>
           <a:xfrm>
-            <a:off x="3175710" y="5292884"/>
-            <a:ext cx="9721215" cy="624855"/>
+            <a:off x="3175711" y="5418456"/>
+            <a:ext cx="9721215" cy="639679"/>
           </a:xfrm>
         </p:spPr>
         <p:txBody>
@@ -2376,8 +2376,8 @@
         </p:nvSpPr>
         <p:spPr>
           <a:xfrm>
-            <a:off x="3175710" y="675613"/>
-            <a:ext cx="9721215" cy="4536758"/>
+            <a:off x="3175711" y="691642"/>
+            <a:ext cx="9721215" cy="4644390"/>
           </a:xfrm>
         </p:spPr>
         <p:txBody>
@@ -2437,8 +2437,8 @@
         </p:nvSpPr>
         <p:spPr>
           <a:xfrm>
-            <a:off x="3175710" y="5917739"/>
-            <a:ext cx="9721215" cy="887398"/>
+            <a:off x="3175711" y="6058134"/>
+            <a:ext cx="9721215" cy="908451"/>
           </a:xfrm>
         </p:spPr>
         <p:txBody>
@@ -2507,7 +2507,7 @@
           <a:p>
             <a:fld id="{629CE928-AF54-4AF7-BE8F-2AFA07936728}" type="datetimeFigureOut">
               <a:rPr lang="en-GB" smtClean="0"/>
-              <a:t>04/07/2014</a:t>
+              <a:t>01/11/2014</a:t>
             </a:fld>
             <a:endParaRPr lang="en-GB"/>
           </a:p>
@@ -2602,8 +2602,8 @@
         </p:nvSpPr>
         <p:spPr>
           <a:xfrm>
-            <a:off x="810101" y="302801"/>
-            <a:ext cx="14581823" cy="1260211"/>
+            <a:off x="810101" y="309985"/>
+            <a:ext cx="14581823" cy="1290109"/>
           </a:xfrm>
           <a:prstGeom prst="rect">
             <a:avLst/>
@@ -2635,8 +2635,8 @@
         </p:nvSpPr>
         <p:spPr>
           <a:xfrm>
-            <a:off x="810101" y="1764295"/>
-            <a:ext cx="14581823" cy="4990084"/>
+            <a:off x="810101" y="1806152"/>
+            <a:ext cx="14581823" cy="5108471"/>
           </a:xfrm>
           <a:prstGeom prst="rect">
             <a:avLst/>
@@ -2697,8 +2697,8 @@
         </p:nvSpPr>
         <p:spPr>
           <a:xfrm>
-            <a:off x="810101" y="7008171"/>
-            <a:ext cx="3780473" cy="402567"/>
+            <a:off x="810102" y="7174437"/>
+            <a:ext cx="3780473" cy="412118"/>
           </a:xfrm>
           <a:prstGeom prst="rect">
             <a:avLst/>
@@ -2720,7 +2720,7 @@
           <a:p>
             <a:fld id="{629CE928-AF54-4AF7-BE8F-2AFA07936728}" type="datetimeFigureOut">
               <a:rPr lang="en-GB" smtClean="0"/>
-              <a:t>04/07/2014</a:t>
+              <a:t>01/11/2014</a:t>
             </a:fld>
             <a:endParaRPr lang="en-GB"/>
           </a:p>
@@ -2738,8 +2738,8 @@
         </p:nvSpPr>
         <p:spPr>
           <a:xfrm>
-            <a:off x="5535692" y="7008171"/>
-            <a:ext cx="5130641" cy="402567"/>
+            <a:off x="5535692" y="7174437"/>
+            <a:ext cx="5130641" cy="412118"/>
           </a:xfrm>
           <a:prstGeom prst="rect">
             <a:avLst/>
@@ -2775,8 +2775,8 @@
         </p:nvSpPr>
         <p:spPr>
           <a:xfrm>
-            <a:off x="11611451" y="7008171"/>
-            <a:ext cx="3780473" cy="402567"/>
+            <a:off x="11611452" y="7174437"/>
+            <a:ext cx="3780473" cy="412118"/>
           </a:xfrm>
           <a:prstGeom prst="rect">
             <a:avLst/>
@@ -3097,20 +3097,20 @@
       </p:grpSpPr>
       <p:graphicFrame>
         <p:nvGraphicFramePr>
-          <p:cNvPr id="24" name="Table 23"/>
+          <p:cNvPr id="25" name="Table 24"/>
           <p:cNvGraphicFramePr>
             <a:graphicFrameLocks noGrp="1"/>
           </p:cNvGraphicFramePr>
           <p:nvPr>
             <p:extLst>
               <p:ext uri="{D42A27DB-BD31-4B8C-83A1-F6EECF244321}">
-                <p14:modId xmlns:p14="http://schemas.microsoft.com/office/powerpoint/2010/main" val="3401389913"/>
+                <p14:modId xmlns:p14="http://schemas.microsoft.com/office/powerpoint/2010/main" val="1581644446"/>
               </p:ext>
             </p:extLst>
           </p:nvPr>
         </p:nvGraphicFramePr>
         <p:xfrm>
-          <a:off x="1" y="0"/>
+          <a:off x="1" y="48126"/>
           <a:ext cx="16202931" cy="7561262"/>
         </p:xfrm>
         <a:graphic>
@@ -3286,7 +3286,7 @@
       </p:graphicFrame>
       <p:pic>
         <p:nvPicPr>
-          <p:cNvPr id="22" name="Picture 4" descr="C:\Users\Wendy\Documents\wwn20\Data\PbI4_metal_island_film\SEM\2011\12 - December\111213-Ag\Unannealed\15.02.tif"/>
+          <p:cNvPr id="26" name="Picture 4" descr="C:\Users\Wendy\Documents\wwn20\Data\PbI4_metal_island_film\SEM\2011\12 - December\111213-Ag\Unannealed\15.02.tif"/>
           <p:cNvPicPr>
             <a:picLocks noChangeAspect="1" noChangeArrowheads="1"/>
           </p:cNvPicPr>
@@ -3305,7 +3305,7 @@
         </p:blipFill>
         <p:spPr bwMode="auto">
           <a:xfrm>
-            <a:off x="901031" y="847290"/>
+            <a:off x="901031" y="895416"/>
             <a:ext cx="4852837" cy="3204000"/>
           </a:xfrm>
           <a:prstGeom prst="rect">
@@ -3325,13 +3325,13 @@
       </p:pic>
       <p:cxnSp>
         <p:nvCxnSpPr>
-          <p:cNvPr id="14" name="Straight Connector 13"/>
+          <p:cNvPr id="27" name="Straight Connector 26"/>
           <p:cNvCxnSpPr/>
           <p:nvPr/>
         </p:nvCxnSpPr>
         <p:spPr>
           <a:xfrm>
-            <a:off x="4716636" y="3807410"/>
+            <a:off x="4716636" y="3855536"/>
             <a:ext cx="648000" cy="0"/>
           </a:xfrm>
           <a:prstGeom prst="line">
@@ -3360,13 +3360,13 @@
       </p:cxnSp>
       <p:sp>
         <p:nvSpPr>
-          <p:cNvPr id="15" name="TextBox 14"/>
+          <p:cNvPr id="28" name="TextBox 27"/>
           <p:cNvSpPr txBox="1"/>
           <p:nvPr/>
         </p:nvSpPr>
         <p:spPr>
           <a:xfrm>
-            <a:off x="4356596" y="3221697"/>
+            <a:off x="4356596" y="3269823"/>
             <a:ext cx="1669832" cy="630942"/>
           </a:xfrm>
           <a:prstGeom prst="rect">
@@ -3398,7 +3398,7 @@
       </p:sp>
       <p:pic>
         <p:nvPicPr>
-          <p:cNvPr id="32" name="Picture 7" descr="C:\Users\Wendy\Documents\wwn20\Data\PbI4_metal_island_film\SEM\2011\12 - December\111213-Ag\Annealed\14.00.tif"/>
+          <p:cNvPr id="29" name="Picture 7" descr="C:\Users\Wendy\Documents\wwn20\Data\PbI4_metal_island_film\SEM\2011\12 - December\111213-Ag\Annealed\14.00.tif"/>
           <p:cNvPicPr>
             <a:picLocks noChangeAspect="1" noChangeArrowheads="1"/>
           </p:cNvPicPr>
@@ -3426,7 +3426,7 @@
         </p:blipFill>
         <p:spPr bwMode="auto">
           <a:xfrm>
-            <a:off x="872249" y="4255004"/>
+            <a:off x="872249" y="4303130"/>
             <a:ext cx="4910400" cy="3204000"/>
           </a:xfrm>
           <a:prstGeom prst="rect">
@@ -3446,7 +3446,7 @@
       </p:pic>
       <p:pic>
         <p:nvPicPr>
-          <p:cNvPr id="23" name="Picture 3" descr="C:\Users\Wendy\Documents\wwn20\Data\PbI4_metal_island_film\SEM\2011\12 - December\111213-Ag\Unannealed\10.01.tif"/>
+          <p:cNvPr id="30" name="Picture 3" descr="C:\Users\Wendy\Documents\wwn20\Data\PbI4_metal_island_film\SEM\2011\12 - December\111213-Ag\Unannealed\10.01.tif"/>
           <p:cNvPicPr>
             <a:picLocks noChangeAspect="1" noChangeArrowheads="1"/>
           </p:cNvPicPr>
@@ -3474,7 +3474,7 @@
         </p:blipFill>
         <p:spPr bwMode="auto">
           <a:xfrm>
-            <a:off x="6026428" y="847291"/>
+            <a:off x="6026428" y="895417"/>
             <a:ext cx="4910400" cy="3204000"/>
           </a:xfrm>
           <a:prstGeom prst="rect">
@@ -3494,13 +3494,13 @@
       </p:pic>
       <p:cxnSp>
         <p:nvCxnSpPr>
-          <p:cNvPr id="38" name="Straight Connector 37"/>
+          <p:cNvPr id="35" name="Straight Connector 34"/>
           <p:cNvCxnSpPr/>
           <p:nvPr/>
         </p:nvCxnSpPr>
         <p:spPr>
           <a:xfrm>
-            <a:off x="4716636" y="7213133"/>
+            <a:off x="4716636" y="7261259"/>
             <a:ext cx="648000" cy="0"/>
           </a:xfrm>
           <a:prstGeom prst="line">
@@ -3529,13 +3529,13 @@
       </p:cxnSp>
       <p:cxnSp>
         <p:nvCxnSpPr>
-          <p:cNvPr id="39" name="Straight Connector 38"/>
+          <p:cNvPr id="36" name="Straight Connector 35"/>
           <p:cNvCxnSpPr/>
           <p:nvPr/>
         </p:nvCxnSpPr>
         <p:spPr>
           <a:xfrm>
-            <a:off x="9973220" y="3796799"/>
+            <a:off x="9973220" y="3844925"/>
             <a:ext cx="648000" cy="0"/>
           </a:xfrm>
           <a:prstGeom prst="line">
@@ -3564,7 +3564,7 @@
       </p:cxnSp>
       <p:pic>
         <p:nvPicPr>
-          <p:cNvPr id="33" name="Picture 6" descr="C:\Users\Wendy\Documents\wwn20\Data\PbI4_metal_island_film\SEM\2011\12 - December\111213-Ag\Annealed\9.00.tif"/>
+          <p:cNvPr id="37" name="Picture 6" descr="C:\Users\Wendy\Documents\wwn20\Data\PbI4_metal_island_film\SEM\2011\12 - December\111213-Ag\Annealed\9.00.tif"/>
           <p:cNvPicPr>
             <a:picLocks noChangeAspect="1" noChangeArrowheads="1"/>
           </p:cNvPicPr>
@@ -3592,7 +3592,7 @@
         </p:blipFill>
         <p:spPr bwMode="auto">
           <a:xfrm>
-            <a:off x="6026428" y="4255004"/>
+            <a:off x="6026428" y="4303130"/>
             <a:ext cx="4910400" cy="3204000"/>
           </a:xfrm>
           <a:prstGeom prst="rect">
@@ -3612,7 +3612,7 @@
       </p:pic>
       <p:pic>
         <p:nvPicPr>
-          <p:cNvPr id="31" name="Picture 2" descr="C:\Users\Wendy\Documents\wwn20\Data\PbI4_metal_island_film\SEM\2011\12 - December\111213-Ag\Unannealed\5.01.tif"/>
+          <p:cNvPr id="43" name="Picture 2" descr="C:\Users\Wendy\Documents\wwn20\Data\PbI4_metal_island_film\SEM\2011\12 - December\111213-Ag\Unannealed\5.01.tif"/>
           <p:cNvPicPr>
             <a:picLocks noChangeAspect="1" noChangeArrowheads="1"/>
           </p:cNvPicPr>
@@ -3640,7 +3640,7 @@
         </p:blipFill>
         <p:spPr bwMode="auto">
           <a:xfrm>
-            <a:off x="11183708" y="847291"/>
+            <a:off x="11183708" y="895417"/>
             <a:ext cx="4910400" cy="3204001"/>
           </a:xfrm>
           <a:prstGeom prst="rect">
@@ -3660,13 +3660,13 @@
       </p:pic>
       <p:cxnSp>
         <p:nvCxnSpPr>
-          <p:cNvPr id="40" name="Straight Connector 39"/>
+          <p:cNvPr id="49" name="Straight Connector 48"/>
           <p:cNvCxnSpPr/>
           <p:nvPr/>
         </p:nvCxnSpPr>
         <p:spPr>
           <a:xfrm>
-            <a:off x="9973220" y="7213133"/>
+            <a:off x="9973220" y="7261259"/>
             <a:ext cx="648000" cy="0"/>
           </a:xfrm>
           <a:prstGeom prst="line">
@@ -3695,7 +3695,7 @@
       </p:cxnSp>
       <p:pic>
         <p:nvPicPr>
-          <p:cNvPr id="34" name="Picture 5" descr="C:\Users\Wendy\Documents\wwn20\Data\PbI4_metal_island_film\SEM\2011\12 - December\111213-Ag\Annealed\4.01.tif"/>
+          <p:cNvPr id="50" name="Picture 5" descr="C:\Users\Wendy\Documents\wwn20\Data\PbI4_metal_island_film\SEM\2011\12 - December\111213-Ag\Annealed\4.01.tif"/>
           <p:cNvPicPr>
             <a:picLocks noChangeAspect="1" noChangeArrowheads="1"/>
           </p:cNvPicPr>
@@ -3723,7 +3723,7 @@
         </p:blipFill>
         <p:spPr bwMode="auto">
           <a:xfrm>
-            <a:off x="11183708" y="4253623"/>
+            <a:off x="11183708" y="4301749"/>
             <a:ext cx="4910400" cy="3204000"/>
           </a:xfrm>
           <a:prstGeom prst="rect">
@@ -3743,13 +3743,13 @@
       </p:pic>
       <p:cxnSp>
         <p:nvCxnSpPr>
-          <p:cNvPr id="41" name="Straight Connector 40"/>
+          <p:cNvPr id="51" name="Straight Connector 50"/>
           <p:cNvCxnSpPr/>
           <p:nvPr/>
         </p:nvCxnSpPr>
         <p:spPr>
           <a:xfrm>
-            <a:off x="15085788" y="3796799"/>
+            <a:off x="15085788" y="3844925"/>
             <a:ext cx="648000" cy="0"/>
           </a:xfrm>
           <a:prstGeom prst="line">
@@ -3778,13 +3778,13 @@
       </p:cxnSp>
       <p:cxnSp>
         <p:nvCxnSpPr>
-          <p:cNvPr id="42" name="Straight Connector 41"/>
+          <p:cNvPr id="52" name="Straight Connector 51"/>
           <p:cNvCxnSpPr/>
           <p:nvPr/>
         </p:nvCxnSpPr>
         <p:spPr>
           <a:xfrm>
-            <a:off x="14941772" y="7213133"/>
+            <a:off x="14941772" y="7261259"/>
             <a:ext cx="648000" cy="0"/>
           </a:xfrm>
           <a:prstGeom prst="line">
@@ -3813,13 +3813,13 @@
       </p:cxnSp>
       <p:sp>
         <p:nvSpPr>
-          <p:cNvPr id="16" name="TextBox 15"/>
+          <p:cNvPr id="53" name="TextBox 52"/>
           <p:cNvSpPr txBox="1"/>
           <p:nvPr/>
         </p:nvSpPr>
         <p:spPr>
           <a:xfrm>
-            <a:off x="872250" y="847291"/>
+            <a:off x="872250" y="895417"/>
             <a:ext cx="1080120" cy="707886"/>
           </a:xfrm>
           <a:prstGeom prst="rect">
@@ -3851,13 +3851,13 @@
       </p:sp>
       <p:sp>
         <p:nvSpPr>
-          <p:cNvPr id="44" name="TextBox 43"/>
+          <p:cNvPr id="54" name="TextBox 53"/>
           <p:cNvSpPr txBox="1"/>
           <p:nvPr/>
         </p:nvSpPr>
         <p:spPr>
           <a:xfrm>
-            <a:off x="6026428" y="847291"/>
+            <a:off x="6026428" y="895417"/>
             <a:ext cx="1080120" cy="707886"/>
           </a:xfrm>
           <a:prstGeom prst="rect">
@@ -3889,13 +3889,13 @@
       </p:sp>
       <p:sp>
         <p:nvSpPr>
-          <p:cNvPr id="45" name="TextBox 44"/>
+          <p:cNvPr id="55" name="TextBox 54"/>
           <p:cNvSpPr txBox="1"/>
           <p:nvPr/>
         </p:nvSpPr>
         <p:spPr>
           <a:xfrm>
-            <a:off x="11183708" y="847290"/>
+            <a:off x="11183708" y="895416"/>
             <a:ext cx="1080120" cy="707886"/>
           </a:xfrm>
           <a:prstGeom prst="rect">
@@ -3927,13 +3927,13 @@
       </p:sp>
       <p:sp>
         <p:nvSpPr>
-          <p:cNvPr id="46" name="TextBox 45"/>
+          <p:cNvPr id="56" name="TextBox 55"/>
           <p:cNvSpPr txBox="1"/>
           <p:nvPr/>
         </p:nvSpPr>
         <p:spPr>
           <a:xfrm>
-            <a:off x="872250" y="4253623"/>
+            <a:off x="872250" y="4301749"/>
             <a:ext cx="1080120" cy="707886"/>
           </a:xfrm>
           <a:prstGeom prst="rect">
@@ -3965,13 +3965,13 @@
       </p:sp>
       <p:sp>
         <p:nvSpPr>
-          <p:cNvPr id="47" name="TextBox 46"/>
+          <p:cNvPr id="57" name="TextBox 56"/>
           <p:cNvSpPr txBox="1"/>
           <p:nvPr/>
         </p:nvSpPr>
         <p:spPr>
           <a:xfrm>
-            <a:off x="6026428" y="4253623"/>
+            <a:off x="6026428" y="4301749"/>
             <a:ext cx="1080120" cy="707886"/>
           </a:xfrm>
           <a:prstGeom prst="rect">
@@ -4003,13 +4003,13 @@
       </p:sp>
       <p:sp>
         <p:nvSpPr>
-          <p:cNvPr id="48" name="TextBox 47"/>
+          <p:cNvPr id="58" name="TextBox 57"/>
           <p:cNvSpPr txBox="1"/>
           <p:nvPr/>
         </p:nvSpPr>
         <p:spPr>
           <a:xfrm>
-            <a:off x="11183708" y="4255004"/>
+            <a:off x="11183708" y="4303130"/>
             <a:ext cx="1080120" cy="707886"/>
           </a:xfrm>
           <a:prstGeom prst="rect">
